--- a/current-practices/wot-getting-started-webinar-2016.pptx
+++ b/current-practices/wot-getting-started-webinar-2016.pptx
@@ -241,7 +241,7 @@
             <a:fld id="{1C96C9F5-32D2-42B5-96C6-A2155698F10A}" type="datetimeFigureOut">
               <a:rPr lang="de-DE" smtClean="0"/>
               <a:pPr/>
-              <a:t>16.06.2016</a:t>
+              <a:t>27.06.2016</a:t>
             </a:fld>
             <a:endParaRPr lang="de-DE"/>
           </a:p>
@@ -939,7 +939,7 @@
             <a:fld id="{1BA50D42-C9CD-4801-B293-61D1F53EC57E}" type="datetimeFigureOut">
               <a:rPr lang="de-DE" smtClean="0"/>
               <a:pPr/>
-              <a:t>16.06.2016</a:t>
+              <a:t>27.06.2016</a:t>
             </a:fld>
             <a:endParaRPr lang="de-DE"/>
           </a:p>
@@ -1106,7 +1106,7 @@
             <a:fld id="{1BA50D42-C9CD-4801-B293-61D1F53EC57E}" type="datetimeFigureOut">
               <a:rPr lang="de-DE" smtClean="0"/>
               <a:pPr/>
-              <a:t>16.06.2016</a:t>
+              <a:t>27.06.2016</a:t>
             </a:fld>
             <a:endParaRPr lang="de-DE"/>
           </a:p>
@@ -1283,7 +1283,7 @@
             <a:fld id="{1BA50D42-C9CD-4801-B293-61D1F53EC57E}" type="datetimeFigureOut">
               <a:rPr lang="de-DE" smtClean="0"/>
               <a:pPr/>
-              <a:t>16.06.2016</a:t>
+              <a:t>27.06.2016</a:t>
             </a:fld>
             <a:endParaRPr lang="de-DE"/>
           </a:p>
@@ -1450,7 +1450,7 @@
             <a:fld id="{1BA50D42-C9CD-4801-B293-61D1F53EC57E}" type="datetimeFigureOut">
               <a:rPr lang="de-DE" smtClean="0"/>
               <a:pPr/>
-              <a:t>16.06.2016</a:t>
+              <a:t>27.06.2016</a:t>
             </a:fld>
             <a:endParaRPr lang="de-DE"/>
           </a:p>
@@ -1693,7 +1693,7 @@
             <a:fld id="{1BA50D42-C9CD-4801-B293-61D1F53EC57E}" type="datetimeFigureOut">
               <a:rPr lang="de-DE" smtClean="0"/>
               <a:pPr/>
-              <a:t>16.06.2016</a:t>
+              <a:t>27.06.2016</a:t>
             </a:fld>
             <a:endParaRPr lang="de-DE"/>
           </a:p>
@@ -1978,7 +1978,7 @@
             <a:fld id="{1BA50D42-C9CD-4801-B293-61D1F53EC57E}" type="datetimeFigureOut">
               <a:rPr lang="de-DE" smtClean="0"/>
               <a:pPr/>
-              <a:t>16.06.2016</a:t>
+              <a:t>27.06.2016</a:t>
             </a:fld>
             <a:endParaRPr lang="de-DE"/>
           </a:p>
@@ -2397,7 +2397,7 @@
             <a:fld id="{1BA50D42-C9CD-4801-B293-61D1F53EC57E}" type="datetimeFigureOut">
               <a:rPr lang="de-DE" smtClean="0"/>
               <a:pPr/>
-              <a:t>16.06.2016</a:t>
+              <a:t>27.06.2016</a:t>
             </a:fld>
             <a:endParaRPr lang="de-DE"/>
           </a:p>
@@ -2512,7 +2512,7 @@
             <a:fld id="{1BA50D42-C9CD-4801-B293-61D1F53EC57E}" type="datetimeFigureOut">
               <a:rPr lang="de-DE" smtClean="0"/>
               <a:pPr/>
-              <a:t>16.06.2016</a:t>
+              <a:t>27.06.2016</a:t>
             </a:fld>
             <a:endParaRPr lang="de-DE"/>
           </a:p>
@@ -2604,7 +2604,7 @@
             <a:fld id="{1BA50D42-C9CD-4801-B293-61D1F53EC57E}" type="datetimeFigureOut">
               <a:rPr lang="de-DE" smtClean="0"/>
               <a:pPr/>
-              <a:t>16.06.2016</a:t>
+              <a:t>27.06.2016</a:t>
             </a:fld>
             <a:endParaRPr lang="de-DE"/>
           </a:p>
@@ -2878,7 +2878,7 @@
             <a:fld id="{1BA50D42-C9CD-4801-B293-61D1F53EC57E}" type="datetimeFigureOut">
               <a:rPr lang="de-DE" smtClean="0"/>
               <a:pPr/>
-              <a:t>16.06.2016</a:t>
+              <a:t>27.06.2016</a:t>
             </a:fld>
             <a:endParaRPr lang="de-DE"/>
           </a:p>
@@ -3128,7 +3128,7 @@
             <a:fld id="{1BA50D42-C9CD-4801-B293-61D1F53EC57E}" type="datetimeFigureOut">
               <a:rPr lang="de-DE" smtClean="0"/>
               <a:pPr/>
-              <a:t>16.06.2016</a:t>
+              <a:t>27.06.2016</a:t>
             </a:fld>
             <a:endParaRPr lang="de-DE"/>
           </a:p>
@@ -3338,7 +3338,7 @@
             <a:fld id="{1BA50D42-C9CD-4801-B293-61D1F53EC57E}" type="datetimeFigureOut">
               <a:rPr lang="de-DE" smtClean="0"/>
               <a:pPr/>
-              <a:t>16.06.2016</a:t>
+              <a:t>27.06.2016</a:t>
             </a:fld>
             <a:endParaRPr lang="de-DE"/>
           </a:p>
@@ -7793,7 +7793,7 @@
     </p:spTree>
     <p:extLst>
       <p:ext uri="{BB962C8B-B14F-4D97-AF65-F5344CB8AC3E}">
-        <p14:creationId xmlns="" xmlns:p14="http://schemas.microsoft.com/office/powerpoint/2010/main" val="1066001244"/>
+        <p14:creationId xmlns:p14="http://schemas.microsoft.com/office/powerpoint/2010/main" xmlns="" val="1066001244"/>
       </p:ext>
     </p:extLst>
   </p:cSld>
@@ -9277,7 +9277,7 @@
           <a:blip r:embed="rId2" cstate="print">
             <a:extLst>
               <a:ext uri="{28A0092B-C50C-407E-A947-70E740481C1C}">
-                <a14:useLocalDpi xmlns="" xmlns:a14="http://schemas.microsoft.com/office/drawing/2010/main" val="0"/>
+                <a14:useLocalDpi xmlns:a14="http://schemas.microsoft.com/office/drawing/2010/main" xmlns="" val="0"/>
               </a:ext>
             </a:extLst>
           </a:blip>
@@ -9307,7 +9307,7 @@
           <a:blip r:embed="rId3" cstate="print">
             <a:extLst>
               <a:ext uri="{28A0092B-C50C-407E-A947-70E740481C1C}">
-                <a14:useLocalDpi xmlns="" xmlns:a14="http://schemas.microsoft.com/office/drawing/2010/main" val="0"/>
+                <a14:useLocalDpi xmlns:a14="http://schemas.microsoft.com/office/drawing/2010/main" xmlns="" val="0"/>
               </a:ext>
             </a:extLst>
           </a:blip>
@@ -9470,7 +9470,7 @@
     </p:spTree>
     <p:extLst>
       <p:ext uri="{BB962C8B-B14F-4D97-AF65-F5344CB8AC3E}">
-        <p14:creationId xmlns="" xmlns:p14="http://schemas.microsoft.com/office/powerpoint/2010/main" val="142274001"/>
+        <p14:creationId xmlns:p14="http://schemas.microsoft.com/office/powerpoint/2010/main" xmlns="" val="142274001"/>
       </p:ext>
     </p:extLst>
   </p:cSld>
@@ -11231,7 +11231,7 @@
           <a:blip r:embed="rId2" cstate="print">
             <a:extLst>
               <a:ext uri="{28A0092B-C50C-407E-A947-70E740481C1C}">
-                <a14:useLocalDpi xmlns="" xmlns:a14="http://schemas.microsoft.com/office/drawing/2010/main" val="0"/>
+                <a14:useLocalDpi xmlns:a14="http://schemas.microsoft.com/office/drawing/2010/main" xmlns="" val="0"/>
               </a:ext>
             </a:extLst>
           </a:blip>
@@ -11261,7 +11261,7 @@
           <a:blip r:embed="rId3" cstate="print">
             <a:extLst>
               <a:ext uri="{28A0092B-C50C-407E-A947-70E740481C1C}">
-                <a14:useLocalDpi xmlns="" xmlns:a14="http://schemas.microsoft.com/office/drawing/2010/main" val="0"/>
+                <a14:useLocalDpi xmlns:a14="http://schemas.microsoft.com/office/drawing/2010/main" xmlns="" val="0"/>
               </a:ext>
             </a:extLst>
           </a:blip>
@@ -11291,7 +11291,7 @@
           <a:blip r:embed="rId4" cstate="print">
             <a:extLst>
               <a:ext uri="{28A0092B-C50C-407E-A947-70E740481C1C}">
-                <a14:useLocalDpi xmlns="" xmlns:a14="http://schemas.microsoft.com/office/drawing/2010/main" val="0"/>
+                <a14:useLocalDpi xmlns:a14="http://schemas.microsoft.com/office/drawing/2010/main" xmlns="" val="0"/>
               </a:ext>
             </a:extLst>
           </a:blip>
@@ -11699,7 +11699,7 @@
     </p:spTree>
     <p:extLst>
       <p:ext uri="{BB962C8B-B14F-4D97-AF65-F5344CB8AC3E}">
-        <p14:creationId xmlns="" xmlns:p14="http://schemas.microsoft.com/office/powerpoint/2010/main" val="4283155808"/>
+        <p14:creationId xmlns:p14="http://schemas.microsoft.com/office/powerpoint/2010/main" xmlns="" val="4283155808"/>
       </p:ext>
     </p:extLst>
   </p:cSld>
@@ -12340,7 +12340,7 @@
           <a:effectLst/>
           <a:extLst>
             <a:ext uri="{AF507438-7753-43E0-B8FC-AC1667EBCBE1}">
-              <a14:hiddenEffects xmlns="" xmlns:a14="http://schemas.microsoft.com/office/drawing/2010/main">
+              <a14:hiddenEffects xmlns:a14="http://schemas.microsoft.com/office/drawing/2010/main" xmlns="">
                 <a:effectLst>
                   <a:outerShdw dist="53882" dir="2700000" algn="ctr" rotWithShape="0">
                     <a:schemeClr val="bg2">
@@ -14529,7 +14529,7 @@
           <a:blip r:embed="rId2" cstate="print">
             <a:extLst>
               <a:ext uri="{28A0092B-C50C-407E-A947-70E740481C1C}">
-                <a14:useLocalDpi xmlns="" xmlns:a14="http://schemas.microsoft.com/office/drawing/2010/main" val="0"/>
+                <a14:useLocalDpi xmlns:a14="http://schemas.microsoft.com/office/drawing/2010/main" xmlns="" val="0"/>
               </a:ext>
             </a:extLst>
           </a:blip>
@@ -14559,7 +14559,7 @@
           <a:blip r:embed="rId3" cstate="print">
             <a:extLst>
               <a:ext uri="{28A0092B-C50C-407E-A947-70E740481C1C}">
-                <a14:useLocalDpi xmlns="" xmlns:a14="http://schemas.microsoft.com/office/drawing/2010/main" val="0"/>
+                <a14:useLocalDpi xmlns:a14="http://schemas.microsoft.com/office/drawing/2010/main" xmlns="" val="0"/>
               </a:ext>
             </a:extLst>
           </a:blip>
@@ -14589,7 +14589,7 @@
           <a:blip r:embed="rId4" cstate="print">
             <a:extLst>
               <a:ext uri="{28A0092B-C50C-407E-A947-70E740481C1C}">
-                <a14:useLocalDpi xmlns="" xmlns:a14="http://schemas.microsoft.com/office/drawing/2010/main" val="0"/>
+                <a14:useLocalDpi xmlns:a14="http://schemas.microsoft.com/office/drawing/2010/main" xmlns="" val="0"/>
               </a:ext>
             </a:extLst>
           </a:blip>
@@ -15196,7 +15196,7 @@
     </p:spTree>
     <p:extLst>
       <p:ext uri="{BB962C8B-B14F-4D97-AF65-F5344CB8AC3E}">
-        <p14:creationId xmlns="" xmlns:p14="http://schemas.microsoft.com/office/powerpoint/2010/main" val="3302316687"/>
+        <p14:creationId xmlns:p14="http://schemas.microsoft.com/office/powerpoint/2010/main" xmlns="" val="3302316687"/>
       </p:ext>
     </p:extLst>
   </p:cSld>
@@ -15521,7 +15521,7 @@
           <a:blip r:embed="rId4" cstate="print">
             <a:extLst>
               <a:ext uri="{28A0092B-C50C-407E-A947-70E740481C1C}">
-                <a14:useLocalDpi xmlns="" xmlns:a14="http://schemas.microsoft.com/office/drawing/2010/main" val="0"/>
+                <a14:useLocalDpi xmlns:a14="http://schemas.microsoft.com/office/drawing/2010/main" xmlns="" val="0"/>
               </a:ext>
             </a:extLst>
           </a:blip>
@@ -15541,7 +15541,7 @@
           <a:noFill/>
           <a:extLst>
             <a:ext uri="{909E8E84-426E-40DD-AFC4-6F175D3DCCD1}">
-              <a14:hiddenFill xmlns="" xmlns:a14="http://schemas.microsoft.com/office/drawing/2010/main">
+              <a14:hiddenFill xmlns:a14="http://schemas.microsoft.com/office/drawing/2010/main" xmlns="">
                 <a:solidFill>
                   <a:srgbClr val="FFFFFF"/>
                 </a:solidFill>
@@ -23590,14 +23590,14 @@
           </a:ln>
           <a:extLst>
             <a:ext uri="{909E8E84-426E-40DD-AFC4-6F175D3DCCD1}">
-              <a14:hiddenFill xmlns:a14="http://schemas.microsoft.com/office/drawing/2010/main" xmlns="">
+              <a14:hiddenFill xmlns="" xmlns:a14="http://schemas.microsoft.com/office/drawing/2010/main">
                 <a:solidFill>
                   <a:srgbClr val="FFFFFF"/>
                 </a:solidFill>
               </a14:hiddenFill>
             </a:ext>
             <a:ext uri="{91240B29-F687-4F45-9708-019B960494DF}">
-              <a14:hiddenLine xmlns:a14="http://schemas.microsoft.com/office/drawing/2010/main" xmlns="" w="12700" algn="ctr">
+              <a14:hiddenLine xmlns="" xmlns:a14="http://schemas.microsoft.com/office/drawing/2010/main" w="12700" algn="ctr">
                 <a:solidFill>
                   <a:srgbClr val="000000"/>
                 </a:solidFill>
@@ -23654,14 +23654,14 @@
           </a:ln>
           <a:extLst>
             <a:ext uri="{909E8E84-426E-40DD-AFC4-6F175D3DCCD1}">
-              <a14:hiddenFill xmlns:a14="http://schemas.microsoft.com/office/drawing/2010/main" xmlns="">
+              <a14:hiddenFill xmlns="" xmlns:a14="http://schemas.microsoft.com/office/drawing/2010/main">
                 <a:solidFill>
                   <a:srgbClr val="FFFFFF"/>
                 </a:solidFill>
               </a14:hiddenFill>
             </a:ext>
             <a:ext uri="{91240B29-F687-4F45-9708-019B960494DF}">
-              <a14:hiddenLine xmlns:a14="http://schemas.microsoft.com/office/drawing/2010/main" xmlns="" w="12700" algn="ctr">
+              <a14:hiddenLine xmlns="" xmlns:a14="http://schemas.microsoft.com/office/drawing/2010/main" w="12700" algn="ctr">
                 <a:solidFill>
                   <a:srgbClr val="000000"/>
                 </a:solidFill>
@@ -23718,14 +23718,14 @@
           </a:ln>
           <a:extLst>
             <a:ext uri="{909E8E84-426E-40DD-AFC4-6F175D3DCCD1}">
-              <a14:hiddenFill xmlns:a14="http://schemas.microsoft.com/office/drawing/2010/main" xmlns="">
+              <a14:hiddenFill xmlns="" xmlns:a14="http://schemas.microsoft.com/office/drawing/2010/main">
                 <a:solidFill>
                   <a:srgbClr val="FFFFFF"/>
                 </a:solidFill>
               </a14:hiddenFill>
             </a:ext>
             <a:ext uri="{91240B29-F687-4F45-9708-019B960494DF}">
-              <a14:hiddenLine xmlns:a14="http://schemas.microsoft.com/office/drawing/2010/main" xmlns="" w="12700" algn="ctr">
+              <a14:hiddenLine xmlns="" xmlns:a14="http://schemas.microsoft.com/office/drawing/2010/main" w="12700" algn="ctr">
                 <a:solidFill>
                   <a:srgbClr val="000000"/>
                 </a:solidFill>
@@ -23797,14 +23797,14 @@
           </a:ln>
           <a:extLst>
             <a:ext uri="{909E8E84-426E-40DD-AFC4-6F175D3DCCD1}">
-              <a14:hiddenFill xmlns:a14="http://schemas.microsoft.com/office/drawing/2010/main" xmlns="">
+              <a14:hiddenFill xmlns="" xmlns:a14="http://schemas.microsoft.com/office/drawing/2010/main">
                 <a:solidFill>
                   <a:srgbClr val="FFFFFF"/>
                 </a:solidFill>
               </a14:hiddenFill>
             </a:ext>
             <a:ext uri="{91240B29-F687-4F45-9708-019B960494DF}">
-              <a14:hiddenLine xmlns:a14="http://schemas.microsoft.com/office/drawing/2010/main" xmlns="" w="12700" algn="ctr">
+              <a14:hiddenLine xmlns="" xmlns:a14="http://schemas.microsoft.com/office/drawing/2010/main" w="12700" algn="ctr">
                 <a:solidFill>
                   <a:srgbClr val="000000"/>
                 </a:solidFill>
@@ -23876,14 +23876,14 @@
           </a:ln>
           <a:extLst>
             <a:ext uri="{909E8E84-426E-40DD-AFC4-6F175D3DCCD1}">
-              <a14:hiddenFill xmlns:a14="http://schemas.microsoft.com/office/drawing/2010/main" xmlns="">
+              <a14:hiddenFill xmlns="" xmlns:a14="http://schemas.microsoft.com/office/drawing/2010/main">
                 <a:solidFill>
                   <a:srgbClr val="FFFFFF"/>
                 </a:solidFill>
               </a14:hiddenFill>
             </a:ext>
             <a:ext uri="{91240B29-F687-4F45-9708-019B960494DF}">
-              <a14:hiddenLine xmlns:a14="http://schemas.microsoft.com/office/drawing/2010/main" xmlns="" w="12700" algn="ctr">
+              <a14:hiddenLine xmlns="" xmlns:a14="http://schemas.microsoft.com/office/drawing/2010/main" w="12700" algn="ctr">
                 <a:solidFill>
                   <a:srgbClr val="000000"/>
                 </a:solidFill>
@@ -23940,14 +23940,14 @@
           </a:ln>
           <a:extLst>
             <a:ext uri="{909E8E84-426E-40DD-AFC4-6F175D3DCCD1}">
-              <a14:hiddenFill xmlns:a14="http://schemas.microsoft.com/office/drawing/2010/main" xmlns="">
+              <a14:hiddenFill xmlns="" xmlns:a14="http://schemas.microsoft.com/office/drawing/2010/main">
                 <a:solidFill>
                   <a:srgbClr val="FFFFFF"/>
                 </a:solidFill>
               </a14:hiddenFill>
             </a:ext>
             <a:ext uri="{91240B29-F687-4F45-9708-019B960494DF}">
-              <a14:hiddenLine xmlns:a14="http://schemas.microsoft.com/office/drawing/2010/main" xmlns="" w="12700" algn="ctr">
+              <a14:hiddenLine xmlns="" xmlns:a14="http://schemas.microsoft.com/office/drawing/2010/main" w="12700" algn="ctr">
                 <a:solidFill>
                   <a:srgbClr val="000000"/>
                 </a:solidFill>
@@ -24697,7 +24697,7 @@
           <a:blip r:embed="rId4" cstate="print">
             <a:extLst>
               <a:ext uri="{28A0092B-C50C-407E-A947-70E740481C1C}">
-                <a14:useLocalDpi xmlns="" xmlns:a14="http://schemas.microsoft.com/office/drawing/2010/main" val="0"/>
+                <a14:useLocalDpi xmlns:a14="http://schemas.microsoft.com/office/drawing/2010/main" xmlns="" val="0"/>
               </a:ext>
             </a:extLst>
           </a:blip>
@@ -24717,7 +24717,7 @@
           <a:noFill/>
           <a:extLst>
             <a:ext uri="{909E8E84-426E-40DD-AFC4-6F175D3DCCD1}">
-              <a14:hiddenFill xmlns="" xmlns:a14="http://schemas.microsoft.com/office/drawing/2010/main">
+              <a14:hiddenFill xmlns:a14="http://schemas.microsoft.com/office/drawing/2010/main" xmlns="">
                 <a:solidFill>
                   <a:srgbClr val="FFFFFF"/>
                 </a:solidFill>
@@ -25046,7 +25046,7 @@
           <a:blip r:embed="rId11" cstate="print">
             <a:extLst>
               <a:ext uri="{28A0092B-C50C-407E-A947-70E740481C1C}">
-                <a14:useLocalDpi xmlns="" xmlns:a14="http://schemas.microsoft.com/office/drawing/2010/main" val="0"/>
+                <a14:useLocalDpi xmlns:a14="http://schemas.microsoft.com/office/drawing/2010/main" xmlns="" val="0"/>
               </a:ext>
             </a:extLst>
           </a:blip>
@@ -25066,7 +25066,7 @@
           <a:noFill/>
           <a:extLst>
             <a:ext uri="{909E8E84-426E-40DD-AFC4-6F175D3DCCD1}">
-              <a14:hiddenFill xmlns="" xmlns:a14="http://schemas.microsoft.com/office/drawing/2010/main">
+              <a14:hiddenFill xmlns:a14="http://schemas.microsoft.com/office/drawing/2010/main" xmlns="">
                 <a:solidFill>
                   <a:srgbClr val="FFFFFF"/>
                 </a:solidFill>
@@ -36879,7 +36879,7 @@
           <a:blip r:embed="rId5" cstate="print">
             <a:extLst>
               <a:ext uri="{28A0092B-C50C-407E-A947-70E740481C1C}">
-                <a14:useLocalDpi xmlns="" xmlns:a14="http://schemas.microsoft.com/office/drawing/2010/main" val="0"/>
+                <a14:useLocalDpi xmlns:a14="http://schemas.microsoft.com/office/drawing/2010/main" xmlns="" val="0"/>
               </a:ext>
             </a:extLst>
           </a:blip>
@@ -36899,7 +36899,7 @@
           <a:noFill/>
           <a:extLst>
             <a:ext uri="{909E8E84-426E-40DD-AFC4-6F175D3DCCD1}">
-              <a14:hiddenFill xmlns="" xmlns:a14="http://schemas.microsoft.com/office/drawing/2010/main">
+              <a14:hiddenFill xmlns:a14="http://schemas.microsoft.com/office/drawing/2010/main" xmlns="">
                 <a:solidFill>
                   <a:srgbClr val="FFFFFF"/>
                 </a:solidFill>
@@ -37417,24 +37417,16 @@
             </a:bodyPr>
             <a:lstStyle/>
             <a:p>
-              <a:pPr marL="0" marR="0" indent="0" algn="ctr" defTabSz="914400" rtl="0" eaLnBrk="1" fontAlgn="ctr" latinLnBrk="0" hangingPunct="1">
-                <a:lnSpc>
-                  <a:spcPct val="100000"/>
-                </a:lnSpc>
+              <a:pPr algn="ctr" fontAlgn="ctr">
                 <a:spcBef>
                   <a:spcPct val="0"/>
                 </a:spcBef>
                 <a:spcAft>
                   <a:spcPct val="0"/>
                 </a:spcAft>
-                <a:buClrTx/>
-                <a:buSzTx/>
-                <a:buFontTx/>
-                <a:buNone/>
-                <a:tabLst/>
               </a:pPr>
               <a:r>
-                <a:rPr kumimoji="1" lang="en-US" altLang="ja-JP" sz="2000" i="0" u="none" strike="noStrike" cap="none" normalizeH="0" baseline="0" smtClean="0">
+                <a:rPr kumimoji="1" lang="en-US" altLang="ja-JP" sz="2000" i="0" u="none" strike="noStrike" cap="none" normalizeH="0" baseline="0" dirty="0" smtClean="0">
                   <a:ln>
                     <a:noFill/>
                   </a:ln>
@@ -37447,15 +37439,28 @@
                 <a:t>Protocol </a:t>
               </a:r>
               <a:r>
-                <a:rPr lang="en-US" altLang="ja-JP" sz="2000" smtClean="0">
+                <a:rPr lang="en-US" altLang="ja-JP" sz="2000" dirty="0" smtClean="0"/>
+                <a:t>Binding</a:t>
+              </a:r>
+              <a:r>
+                <a:rPr lang="en-US" altLang="ja-JP" sz="2000" dirty="0" smtClean="0">
                   <a:solidFill>
                     <a:schemeClr val="tx1"/>
                   </a:solidFill>
                   <a:ea typeface="+mj-ea"/>
                 </a:rPr>
-                <a:t>Mapping(s)</a:t>
+                <a:t>(s</a:t>
               </a:r>
-              <a:endParaRPr kumimoji="1" lang="en-US" altLang="ja-JP" sz="2000" i="0" u="none" strike="noStrike" cap="none" normalizeH="0" baseline="0" smtClean="0">
+              <a:r>
+                <a:rPr lang="en-US" altLang="ja-JP" sz="2000" dirty="0" smtClean="0">
+                  <a:solidFill>
+                    <a:schemeClr val="tx1"/>
+                  </a:solidFill>
+                  <a:ea typeface="+mj-ea"/>
+                </a:rPr>
+                <a:t>)</a:t>
+              </a:r>
+              <a:endParaRPr kumimoji="1" lang="en-US" altLang="ja-JP" sz="2000" i="0" u="none" strike="noStrike" cap="none" normalizeH="0" baseline="0" dirty="0" smtClean="0">
                 <a:ln>
                   <a:noFill/>
                 </a:ln>
@@ -37640,14 +37645,14 @@
                 </a:spcAft>
               </a:pPr>
               <a:r>
-                <a:rPr kumimoji="1" lang="en-US" altLang="ja-JP" sz="2000" smtClean="0">
+                <a:rPr kumimoji="1" lang="en-US" altLang="ja-JP" sz="2000" dirty="0" smtClean="0">
                   <a:solidFill>
                     <a:schemeClr val="bg1"/>
                   </a:solidFill>
                 </a:rPr>
                 <a:t>Resource Model</a:t>
               </a:r>
-              <a:endParaRPr kumimoji="1" lang="en-US" altLang="ja-JP" sz="2000" i="0" u="none" strike="noStrike" cap="none" normalizeH="0" baseline="0" smtClean="0">
+              <a:endParaRPr kumimoji="1" lang="en-US" altLang="ja-JP" sz="2000" i="0" u="none" strike="noStrike" cap="none" normalizeH="0" baseline="0" dirty="0" smtClean="0">
                 <a:ln>
                   <a:noFill/>
                 </a:ln>
@@ -38334,7 +38339,7 @@
                 <a:tabLst/>
               </a:pPr>
               <a:r>
-                <a:rPr kumimoji="1" lang="en-US" altLang="ja-JP" sz="2000" i="0" u="none" strike="noStrike" cap="none" normalizeH="0" baseline="0" smtClean="0">
+                <a:rPr kumimoji="1" lang="en-US" altLang="ja-JP" sz="2000" i="0" u="none" strike="noStrike" cap="none" normalizeH="0" baseline="0" dirty="0" smtClean="0">
                   <a:ln>
                     <a:noFill/>
                   </a:ln>
@@ -38347,15 +38352,24 @@
                 <a:t>Protocol </a:t>
               </a:r>
               <a:r>
-                <a:rPr lang="en-US" altLang="ja-JP" sz="2000" smtClean="0">
+                <a:rPr lang="en-US" altLang="ja-JP" sz="2000" dirty="0" smtClean="0">
                   <a:solidFill>
                     <a:schemeClr val="tx1"/>
                   </a:solidFill>
                   <a:ea typeface="+mj-ea"/>
                 </a:rPr>
-                <a:t>Mapping(s)</a:t>
+                <a:t>Binding(s</a:t>
               </a:r>
-              <a:endParaRPr kumimoji="1" lang="en-US" altLang="ja-JP" sz="2000" i="0" u="none" strike="noStrike" cap="none" normalizeH="0" baseline="0" smtClean="0">
+              <a:r>
+                <a:rPr lang="en-US" altLang="ja-JP" sz="2000" dirty="0" smtClean="0">
+                  <a:solidFill>
+                    <a:schemeClr val="tx1"/>
+                  </a:solidFill>
+                  <a:ea typeface="+mj-ea"/>
+                </a:rPr>
+                <a:t>)</a:t>
+              </a:r>
+              <a:endParaRPr kumimoji="1" lang="en-US" altLang="ja-JP" sz="2000" i="0" u="none" strike="noStrike" cap="none" normalizeH="0" baseline="0" dirty="0" smtClean="0">
                 <a:ln>
                   <a:noFill/>
                 </a:ln>
@@ -39457,24 +39471,16 @@
           </a:bodyPr>
           <a:lstStyle/>
           <a:p>
-            <a:pPr marL="0" marR="0" indent="0" algn="ctr" defTabSz="914400" rtl="0" eaLnBrk="1" fontAlgn="ctr" latinLnBrk="0" hangingPunct="1">
-              <a:lnSpc>
-                <a:spcPct val="100000"/>
-              </a:lnSpc>
+            <a:pPr algn="ctr" fontAlgn="ctr">
               <a:spcBef>
                 <a:spcPct val="0"/>
               </a:spcBef>
               <a:spcAft>
                 <a:spcPct val="0"/>
               </a:spcAft>
-              <a:buClrTx/>
-              <a:buSzTx/>
-              <a:buFontTx/>
-              <a:buNone/>
-              <a:tabLst/>
             </a:pPr>
             <a:r>
-              <a:rPr kumimoji="1" lang="en-US" altLang="ja-JP" sz="2000" i="0" u="none" strike="noStrike" cap="none" normalizeH="0" baseline="0" smtClean="0">
+              <a:rPr kumimoji="1" lang="en-US" altLang="ja-JP" sz="2000" i="0" u="none" strike="noStrike" cap="none" normalizeH="0" baseline="0" dirty="0" smtClean="0">
                 <a:ln>
                   <a:noFill/>
                 </a:ln>
@@ -39487,15 +39493,19 @@
               <a:t>Protocol </a:t>
             </a:r>
             <a:r>
-              <a:rPr lang="en-US" altLang="ja-JP" sz="2000" smtClean="0">
+              <a:rPr lang="en-US" altLang="ja-JP" sz="2000" dirty="0" smtClean="0"/>
+              <a:t>Binding(s</a:t>
+            </a:r>
+            <a:r>
+              <a:rPr lang="en-US" altLang="ja-JP" sz="2000" dirty="0" smtClean="0">
                 <a:solidFill>
                   <a:schemeClr val="tx1"/>
                 </a:solidFill>
                 <a:ea typeface="+mj-ea"/>
               </a:rPr>
-              <a:t>Mapping(s)</a:t>
-            </a:r>
-            <a:endParaRPr kumimoji="1" lang="en-US" altLang="ja-JP" sz="2000" i="0" u="none" strike="noStrike" cap="none" normalizeH="0" baseline="0" smtClean="0">
+              <a:t>)</a:t>
+            </a:r>
+            <a:endParaRPr kumimoji="1" lang="en-US" altLang="ja-JP" sz="2000" i="0" u="none" strike="noStrike" cap="none" normalizeH="0" baseline="0" dirty="0" smtClean="0">
               <a:ln>
                 <a:noFill/>
               </a:ln>
@@ -39803,24 +39813,16 @@
           </a:bodyPr>
           <a:lstStyle/>
           <a:p>
-            <a:pPr marL="0" marR="0" indent="0" algn="ctr" defTabSz="914400" rtl="0" eaLnBrk="1" fontAlgn="ctr" latinLnBrk="0" hangingPunct="1">
-              <a:lnSpc>
-                <a:spcPct val="100000"/>
-              </a:lnSpc>
+            <a:pPr algn="ctr" fontAlgn="ctr">
               <a:spcBef>
                 <a:spcPct val="0"/>
               </a:spcBef>
               <a:spcAft>
                 <a:spcPct val="0"/>
               </a:spcAft>
-              <a:buClrTx/>
-              <a:buSzTx/>
-              <a:buFontTx/>
-              <a:buNone/>
-              <a:tabLst/>
             </a:pPr>
             <a:r>
-              <a:rPr kumimoji="1" lang="en-US" altLang="ja-JP" sz="2000" i="0" u="none" strike="noStrike" cap="none" normalizeH="0" baseline="0" smtClean="0">
+              <a:rPr kumimoji="1" lang="en-US" altLang="ja-JP" sz="2000" i="0" u="none" strike="noStrike" cap="none" normalizeH="0" baseline="0" dirty="0" smtClean="0">
                 <a:ln>
                   <a:noFill/>
                 </a:ln>
@@ -39833,15 +39835,19 @@
               <a:t>Protocol </a:t>
             </a:r>
             <a:r>
-              <a:rPr lang="en-US" altLang="ja-JP" sz="2000" smtClean="0">
+              <a:rPr lang="en-US" altLang="ja-JP" sz="2000" dirty="0" smtClean="0"/>
+              <a:t>Binding(s</a:t>
+            </a:r>
+            <a:r>
+              <a:rPr lang="en-US" altLang="ja-JP" sz="2000" dirty="0" smtClean="0">
                 <a:solidFill>
                   <a:schemeClr val="tx1"/>
                 </a:solidFill>
                 <a:ea typeface="+mj-ea"/>
               </a:rPr>
-              <a:t>Mapping(s)</a:t>
-            </a:r>
-            <a:endParaRPr kumimoji="1" lang="en-US" altLang="ja-JP" sz="2000" i="0" u="none" strike="noStrike" cap="none" normalizeH="0" baseline="0" smtClean="0">
+              <a:t>)</a:t>
+            </a:r>
+            <a:endParaRPr kumimoji="1" lang="en-US" altLang="ja-JP" sz="2000" i="0" u="none" strike="noStrike" cap="none" normalizeH="0" baseline="0" dirty="0" smtClean="0">
               <a:ln>
                 <a:noFill/>
               </a:ln>
@@ -41376,24 +41382,16 @@
           </a:bodyPr>
           <a:lstStyle/>
           <a:p>
-            <a:pPr marL="0" marR="0" indent="0" algn="ctr" defTabSz="914400" rtl="0" eaLnBrk="1" fontAlgn="ctr" latinLnBrk="0" hangingPunct="1">
-              <a:lnSpc>
-                <a:spcPct val="100000"/>
-              </a:lnSpc>
+            <a:pPr algn="ctr" fontAlgn="ctr">
               <a:spcBef>
                 <a:spcPct val="0"/>
               </a:spcBef>
               <a:spcAft>
                 <a:spcPct val="0"/>
               </a:spcAft>
-              <a:buClrTx/>
-              <a:buSzTx/>
-              <a:buFontTx/>
-              <a:buNone/>
-              <a:tabLst/>
             </a:pPr>
             <a:r>
-              <a:rPr kumimoji="1" lang="en-US" altLang="ja-JP" sz="2000" i="0" u="none" strike="noStrike" cap="none" normalizeH="0" baseline="0" smtClean="0">
+              <a:rPr kumimoji="1" lang="en-US" altLang="ja-JP" sz="2000" i="0" u="none" strike="noStrike" cap="none" normalizeH="0" baseline="0" dirty="0" smtClean="0">
                 <a:ln>
                   <a:noFill/>
                 </a:ln>
@@ -41406,15 +41404,19 @@
               <a:t>Protocol </a:t>
             </a:r>
             <a:r>
-              <a:rPr lang="en-US" altLang="ja-JP" sz="2000" smtClean="0">
+              <a:rPr lang="en-US" altLang="ja-JP" sz="2000" dirty="0" smtClean="0"/>
+              <a:t>Binding(s</a:t>
+            </a:r>
+            <a:r>
+              <a:rPr lang="en-US" altLang="ja-JP" sz="2000" dirty="0" smtClean="0">
                 <a:solidFill>
                   <a:schemeClr val="tx1"/>
                 </a:solidFill>
                 <a:ea typeface="+mj-ea"/>
               </a:rPr>
-              <a:t>Mapping(s)</a:t>
-            </a:r>
-            <a:endParaRPr kumimoji="1" lang="en-US" altLang="ja-JP" sz="2000" i="0" u="none" strike="noStrike" cap="none" normalizeH="0" baseline="0" smtClean="0">
+              <a:t>)</a:t>
+            </a:r>
+            <a:endParaRPr kumimoji="1" lang="en-US" altLang="ja-JP" sz="2000" i="0" u="none" strike="noStrike" cap="none" normalizeH="0" baseline="0" dirty="0" smtClean="0">
               <a:ln>
                 <a:noFill/>
               </a:ln>
@@ -41722,24 +41724,16 @@
           </a:bodyPr>
           <a:lstStyle/>
           <a:p>
-            <a:pPr marL="0" marR="0" indent="0" algn="ctr" defTabSz="914400" rtl="0" eaLnBrk="1" fontAlgn="ctr" latinLnBrk="0" hangingPunct="1">
-              <a:lnSpc>
-                <a:spcPct val="100000"/>
-              </a:lnSpc>
+            <a:pPr algn="ctr" fontAlgn="ctr">
               <a:spcBef>
                 <a:spcPct val="0"/>
               </a:spcBef>
               <a:spcAft>
                 <a:spcPct val="0"/>
               </a:spcAft>
-              <a:buClrTx/>
-              <a:buSzTx/>
-              <a:buFontTx/>
-              <a:buNone/>
-              <a:tabLst/>
             </a:pPr>
             <a:r>
-              <a:rPr kumimoji="1" lang="en-US" altLang="ja-JP" sz="2000" i="0" u="none" strike="noStrike" cap="none" normalizeH="0" baseline="0" smtClean="0">
+              <a:rPr kumimoji="1" lang="en-US" altLang="ja-JP" sz="2000" i="0" u="none" strike="noStrike" cap="none" normalizeH="0" baseline="0" dirty="0" smtClean="0">
                 <a:ln>
                   <a:noFill/>
                 </a:ln>
@@ -41752,15 +41746,19 @@
               <a:t>Protocol </a:t>
             </a:r>
             <a:r>
-              <a:rPr lang="en-US" altLang="ja-JP" sz="2000" smtClean="0">
+              <a:rPr lang="en-US" altLang="ja-JP" sz="2000" dirty="0" smtClean="0"/>
+              <a:t>Binding(s</a:t>
+            </a:r>
+            <a:r>
+              <a:rPr lang="en-US" altLang="ja-JP" sz="2000" dirty="0" smtClean="0">
                 <a:solidFill>
                   <a:schemeClr val="tx1"/>
                 </a:solidFill>
                 <a:ea typeface="+mj-ea"/>
               </a:rPr>
-              <a:t>Mapping(s)</a:t>
-            </a:r>
-            <a:endParaRPr kumimoji="1" lang="en-US" altLang="ja-JP" sz="2000" i="0" u="none" strike="noStrike" cap="none" normalizeH="0" baseline="0" smtClean="0">
+              <a:t>)</a:t>
+            </a:r>
+            <a:endParaRPr kumimoji="1" lang="en-US" altLang="ja-JP" sz="2000" i="0" u="none" strike="noStrike" cap="none" normalizeH="0" baseline="0" dirty="0" smtClean="0">
               <a:ln>
                 <a:noFill/>
               </a:ln>
@@ -43322,13 +43320,7 @@
               <a:rPr lang="en-US" sz="1600" dirty="0" smtClean="0">
                 <a:hlinkClick r:id="rId2"/>
               </a:rPr>
-              <a:t>https://www.w3.org/WoT/IG</a:t>
-            </a:r>
-            <a:r>
-              <a:rPr lang="en-US" sz="1600" dirty="0" smtClean="0">
-                <a:hlinkClick r:id="rId2"/>
-              </a:rPr>
-              <a:t>/</a:t>
+              <a:t>https://www.w3.org/WoT/IG/</a:t>
             </a:r>
             <a:endParaRPr lang="en-US" sz="1600" dirty="0" smtClean="0"/>
           </a:p>
@@ -43338,26 +43330,18 @@
               <a:rPr lang="en-US" sz="1600" dirty="0" smtClean="0">
                 <a:hlinkClick r:id="rId3"/>
               </a:rPr>
-              <a:t>https://lists.w3.org/Archives/Public/public-wot-ig</a:t>
-            </a:r>
-            <a:r>
-              <a:rPr lang="en-US" sz="1600" dirty="0" smtClean="0">
-                <a:hlinkClick r:id="rId3"/>
-              </a:rPr>
-              <a:t>/</a:t>
+              <a:t>https://lists.w3.org/Archives/Public/public-wot-ig/</a:t>
             </a:r>
             <a:r>
               <a:rPr lang="en-US" sz="1600" dirty="0" smtClean="0"/>
               <a:t> (subscribe to mailing list)</a:t>
             </a:r>
-            <a:endParaRPr lang="en-US" sz="1600" dirty="0" smtClean="0"/>
           </a:p>
           <a:p>
             <a:r>
               <a:rPr lang="en-US" sz="2000" dirty="0" smtClean="0"/>
               <a:t>Documents (for implementers)</a:t>
             </a:r>
-            <a:endParaRPr lang="en-US" sz="2000" dirty="0" smtClean="0"/>
           </a:p>
           <a:p>
             <a:pPr lvl="1"/>
@@ -43382,11 +43366,7 @@
             </a:r>
             <a:r>
               <a:rPr lang="en-US" sz="1600" dirty="0" smtClean="0"/>
-              <a:t> </a:t>
-            </a:r>
-            <a:r>
-              <a:rPr lang="en-US" sz="1600" dirty="0" smtClean="0"/>
-              <a:t>(living document)</a:t>
+              <a:t> (living document)</a:t>
             </a:r>
             <a:r>
               <a:rPr lang="en-US" sz="2000" dirty="0" smtClean="0"/>
@@ -43397,11 +43377,7 @@
             </a:br>
             <a:r>
               <a:rPr lang="en-US" sz="1600" dirty="0" smtClean="0"/>
-              <a:t>Beijing 2016 </a:t>
-            </a:r>
-            <a:r>
-              <a:rPr lang="en-US" sz="1600" dirty="0" smtClean="0"/>
-              <a:t>Release:</a:t>
+              <a:t>Beijing 2016 Release:</a:t>
             </a:r>
             <a:r>
               <a:rPr lang="en-US" sz="2000" dirty="0" smtClean="0"/>
@@ -43431,7 +43407,6 @@
               <a:rPr lang="en-US" sz="2000" dirty="0" smtClean="0"/>
               <a:t> (documents and proposals)</a:t>
             </a:r>
-            <a:endParaRPr lang="en-US" sz="2000" dirty="0" smtClean="0"/>
           </a:p>
           <a:p>
             <a:pPr lvl="1"/>
@@ -43459,7 +43434,6 @@
               <a:rPr lang="en-US" sz="2000" dirty="0" smtClean="0"/>
               <a:t> calls, Face-to-Face meetings, …)</a:t>
             </a:r>
-            <a:endParaRPr lang="en-US" sz="2000" dirty="0" smtClean="0"/>
           </a:p>
           <a:p>
             <a:pPr lvl="1"/>
@@ -43491,7 +43465,6 @@
               <a:rPr lang="en-US" sz="2000" dirty="0" smtClean="0"/>
               <a:t> Current Practices)</a:t>
             </a:r>
-            <a:endParaRPr lang="en-US" sz="2000" dirty="0" smtClean="0"/>
           </a:p>
           <a:p>
             <a:pPr lvl="1"/>
@@ -43705,7 +43678,7 @@
           <a:blip r:embed="rId6" cstate="print">
             <a:extLst>
               <a:ext uri="{28A0092B-C50C-407E-A947-70E740481C1C}">
-                <a14:useLocalDpi xmlns="" xmlns:a14="http://schemas.microsoft.com/office/drawing/2010/main" val="0"/>
+                <a14:useLocalDpi xmlns:a14="http://schemas.microsoft.com/office/drawing/2010/main" xmlns="" val="0"/>
               </a:ext>
             </a:extLst>
           </a:blip>
@@ -43725,7 +43698,7 @@
           <a:noFill/>
           <a:extLst>
             <a:ext uri="{909E8E84-426E-40DD-AFC4-6F175D3DCCD1}">
-              <a14:hiddenFill xmlns="" xmlns:a14="http://schemas.microsoft.com/office/drawing/2010/main">
+              <a14:hiddenFill xmlns:a14="http://schemas.microsoft.com/office/drawing/2010/main" xmlns="">
                 <a:solidFill>
                   <a:srgbClr val="FFFFFF"/>
                 </a:solidFill>
@@ -44284,7 +44257,7 @@
             <a:blip r:embed="rId3" cstate="print">
               <a:extLst>
                 <a:ext uri="{28A0092B-C50C-407E-A947-70E740481C1C}">
-                  <a14:useLocalDpi xmlns:a14="http://schemas.microsoft.com/office/drawing/2010/main" xmlns="" val="0"/>
+                  <a14:useLocalDpi xmlns="" xmlns:a14="http://schemas.microsoft.com/office/drawing/2010/main" val="0"/>
                 </a:ext>
               </a:extLst>
             </a:blip>
@@ -44331,7 +44304,7 @@
             <a:effectLst/>
             <a:extLst>
               <a:ext uri="{AF507438-7753-43E0-B8FC-AC1667EBCBE1}">
-                <a14:hiddenEffects xmlns:a14="http://schemas.microsoft.com/office/drawing/2010/main" xmlns="">
+                <a14:hiddenEffects xmlns="" xmlns:a14="http://schemas.microsoft.com/office/drawing/2010/main">
                   <a:effectLst>
                     <a:outerShdw dist="53882" dir="2700000" algn="ctr" rotWithShape="0">
                       <a:schemeClr val="bg2">
@@ -44850,7 +44823,7 @@
             <a:blip r:embed="rId4" cstate="print">
               <a:extLst>
                 <a:ext uri="{28A0092B-C50C-407E-A947-70E740481C1C}">
-                  <a14:useLocalDpi xmlns:a14="http://schemas.microsoft.com/office/drawing/2010/main" xmlns="" val="0"/>
+                  <a14:useLocalDpi xmlns="" xmlns:a14="http://schemas.microsoft.com/office/drawing/2010/main" val="0"/>
                 </a:ext>
               </a:extLst>
             </a:blip>
@@ -45544,7 +45517,7 @@
             <a:blip r:embed="rId5" cstate="print">
               <a:extLst>
                 <a:ext uri="{28A0092B-C50C-407E-A947-70E740481C1C}">
-                  <a14:useLocalDpi xmlns:a14="http://schemas.microsoft.com/office/drawing/2010/main" xmlns="" val="0"/>
+                  <a14:useLocalDpi xmlns="" xmlns:a14="http://schemas.microsoft.com/office/drawing/2010/main" val="0"/>
                 </a:ext>
               </a:extLst>
             </a:blip>
@@ -47537,7 +47510,7 @@
             <a:blip r:embed="rId6" cstate="print">
               <a:extLst>
                 <a:ext uri="{28A0092B-C50C-407E-A947-70E740481C1C}">
-                  <a14:useLocalDpi xmlns:a14="http://schemas.microsoft.com/office/drawing/2010/main" xmlns="" val="0"/>
+                  <a14:useLocalDpi xmlns="" xmlns:a14="http://schemas.microsoft.com/office/drawing/2010/main" val="0"/>
                 </a:ext>
               </a:extLst>
             </a:blip>
